--- a/Python-for-Data-Analysis.pptx
+++ b/Python-for-Data-Analysis.pptx
@@ -15,8 +15,8 @@
     <p:sldId id="259" r:id="rId6"/>
     <p:sldId id="260" r:id="rId7"/>
     <p:sldId id="305" r:id="rId8"/>
-    <p:sldId id="262" r:id="rId9"/>
-    <p:sldId id="308" r:id="rId10"/>
+    <p:sldId id="308" r:id="rId9"/>
+    <p:sldId id="262" r:id="rId10"/>
     <p:sldId id="306" r:id="rId11"/>
     <p:sldId id="264" r:id="rId12"/>
     <p:sldId id="310" r:id="rId13"/>
@@ -130,8 +130,8 @@
             <p14:sldId id="259"/>
             <p14:sldId id="260"/>
             <p14:sldId id="305"/>
+            <p14:sldId id="308"/>
             <p14:sldId id="262"/>
-            <p14:sldId id="308"/>
             <p14:sldId id="306"/>
             <p14:sldId id="264"/>
             <p14:sldId id="310"/>
@@ -20403,7 +20403,7 @@
           <a:p>
             <a:r>
               <a:rPr lang="en-US" dirty="0"/>
-              <a:t>Save final Product to excel</a:t>
+              <a:t>Save final product to excel</a:t>
             </a:r>
           </a:p>
         </p:txBody>
@@ -21619,6 +21619,232 @@
       </p:grpSpPr>
       <p:sp>
         <p:nvSpPr>
+          <p:cNvPr id="4" name="Slide Number Placeholder 3">
+            <a:extLst>
+              <a:ext uri="{FF2B5EF4-FFF2-40B4-BE49-F238E27FC236}">
+                <a16:creationId xmlns:a16="http://schemas.microsoft.com/office/drawing/2014/main" id="{67DDD665-3ACE-43F1-A39E-1F95573051FD}"/>
+              </a:ext>
+            </a:extLst>
+          </p:cNvPr>
+          <p:cNvSpPr>
+            <a:spLocks noGrp="1"/>
+          </p:cNvSpPr>
+          <p:nvPr>
+            <p:ph type="sldNum" sz="quarter" idx="12"/>
+          </p:nvPr>
+        </p:nvSpPr>
+        <p:spPr/>
+        <p:txBody>
+          <a:bodyPr/>
+          <a:lstStyle/>
+          <a:p>
+            <a:fld id="{B841CA95-E0BC-48B5-948A-ECC494EB4D84}" type="slidenum">
+              <a:rPr lang="en-US" smtClean="0"/>
+              <a:t>8</a:t>
+            </a:fld>
+            <a:endParaRPr lang="en-US"/>
+          </a:p>
+        </p:txBody>
+      </p:sp>
+      <p:sp>
+        <p:nvSpPr>
+          <p:cNvPr id="5" name="Title 1">
+            <a:extLst>
+              <a:ext uri="{FF2B5EF4-FFF2-40B4-BE49-F238E27FC236}">
+                <a16:creationId xmlns:a16="http://schemas.microsoft.com/office/drawing/2014/main" id="{AE627D7D-1684-4B7E-B974-6DC56B0C2617}"/>
+              </a:ext>
+            </a:extLst>
+          </p:cNvPr>
+          <p:cNvSpPr>
+            <a:spLocks noGrp="1"/>
+          </p:cNvSpPr>
+          <p:nvPr>
+            <p:ph type="title"/>
+          </p:nvPr>
+        </p:nvSpPr>
+        <p:spPr>
+          <a:xfrm>
+            <a:off x="479394" y="637437"/>
+            <a:ext cx="3939688" cy="5583126"/>
+          </a:xfrm>
+        </p:spPr>
+        <p:txBody>
+          <a:bodyPr>
+            <a:normAutofit/>
+          </a:bodyPr>
+          <a:lstStyle/>
+          <a:p>
+            <a:pPr algn="r"/>
+            <a:r>
+              <a:rPr lang="en-GB" sz="7400" dirty="0"/>
+              <a:t>Special</a:t>
+            </a:r>
+            <a:r>
+              <a:rPr lang="pt-PT" sz="7400" dirty="0"/>
+              <a:t> </a:t>
+            </a:r>
+            <a:r>
+              <a:rPr lang="en-GB" sz="7400" dirty="0"/>
+              <a:t>Functions</a:t>
+            </a:r>
+          </a:p>
+        </p:txBody>
+      </p:sp>
+      <p:graphicFrame>
+        <p:nvGraphicFramePr>
+          <p:cNvPr id="6" name="Content Placeholder 2">
+            <a:extLst>
+              <a:ext uri="{FF2B5EF4-FFF2-40B4-BE49-F238E27FC236}">
+                <a16:creationId xmlns:a16="http://schemas.microsoft.com/office/drawing/2014/main" id="{EA6AA4EF-46E7-401E-A6EC-77AA63348A58}"/>
+              </a:ext>
+            </a:extLst>
+          </p:cNvPr>
+          <p:cNvGraphicFramePr>
+            <a:graphicFrameLocks noGrp="1"/>
+          </p:cNvGraphicFramePr>
+          <p:nvPr>
+            <p:ph idx="1"/>
+            <p:extLst>
+              <p:ext uri="{D42A27DB-BD31-4B8C-83A1-F6EECF244321}">
+                <p14:modId xmlns:p14="http://schemas.microsoft.com/office/powerpoint/2010/main" val="2808497073"/>
+              </p:ext>
+            </p:extLst>
+          </p:nvPr>
+        </p:nvGraphicFramePr>
+        <p:xfrm>
+          <a:off x="5108535" y="637437"/>
+          <a:ext cx="6245265" cy="5589347"/>
+        </p:xfrm>
+        <a:graphic>
+          <a:graphicData uri="http://schemas.openxmlformats.org/drawingml/2006/diagram">
+            <dgm:relIds xmlns:dgm="http://schemas.openxmlformats.org/drawingml/2006/diagram" xmlns:r="http://schemas.openxmlformats.org/officeDocument/2006/relationships" r:dm="rId2" r:lo="rId3" r:qs="rId4" r:cs="rId5"/>
+          </a:graphicData>
+        </a:graphic>
+      </p:graphicFrame>
+    </p:spTree>
+    <p:extLst>
+      <p:ext uri="{BB962C8B-B14F-4D97-AF65-F5344CB8AC3E}">
+        <p14:creationId xmlns:p14="http://schemas.microsoft.com/office/powerpoint/2010/main" val="1216559849"/>
+      </p:ext>
+    </p:extLst>
+  </p:cSld>
+  <p:clrMapOvr>
+    <a:masterClrMapping/>
+  </p:clrMapOvr>
+  <p:timing>
+    <p:tnLst>
+      <p:par>
+        <p:cTn id="1" dur="indefinite" restart="never" nodeType="tmRoot">
+          <p:childTnLst>
+            <p:seq concurrent="1" nextAc="seek">
+              <p:cTn id="2" dur="indefinite" nodeType="mainSeq">
+                <p:childTnLst>
+                  <p:par>
+                    <p:cTn id="3" fill="hold">
+                      <p:stCondLst>
+                        <p:cond delay="indefinite"/>
+                        <p:cond evt="onBegin" delay="0">
+                          <p:tn val="2"/>
+                        </p:cond>
+                      </p:stCondLst>
+                      <p:childTnLst>
+                        <p:par>
+                          <p:cTn id="4" fill="hold">
+                            <p:stCondLst>
+                              <p:cond delay="0"/>
+                            </p:stCondLst>
+                            <p:childTnLst>
+                              <p:par>
+                                <p:cTn id="5" presetID="10" presetClass="entr" presetSubtype="0" fill="hold" grpId="0" nodeType="withEffect">
+                                  <p:stCondLst>
+                                    <p:cond delay="500"/>
+                                  </p:stCondLst>
+                                  <p:iterate type="lt">
+                                    <p:tmPct val="10000"/>
+                                  </p:iterate>
+                                  <p:childTnLst>
+                                    <p:set>
+                                      <p:cBhvr>
+                                        <p:cTn id="6" dur="1" fill="hold">
+                                          <p:stCondLst>
+                                            <p:cond delay="0"/>
+                                          </p:stCondLst>
+                                        </p:cTn>
+                                        <p:tgtEl>
+                                          <p:spTgt spid="5"/>
+                                        </p:tgtEl>
+                                        <p:attrNameLst>
+                                          <p:attrName>style.visibility</p:attrName>
+                                        </p:attrNameLst>
+                                      </p:cBhvr>
+                                      <p:to>
+                                        <p:strVal val="visible"/>
+                                      </p:to>
+                                    </p:set>
+                                    <p:animEffect transition="in" filter="fade">
+                                      <p:cBhvr>
+                                        <p:cTn id="7" dur="400"/>
+                                        <p:tgtEl>
+                                          <p:spTgt spid="5"/>
+                                        </p:tgtEl>
+                                      </p:cBhvr>
+                                    </p:animEffect>
+                                  </p:childTnLst>
+                                </p:cTn>
+                              </p:par>
+                            </p:childTnLst>
+                          </p:cTn>
+                        </p:par>
+                      </p:childTnLst>
+                    </p:cTn>
+                  </p:par>
+                </p:childTnLst>
+              </p:cTn>
+              <p:prevCondLst>
+                <p:cond evt="onPrev" delay="0">
+                  <p:tgtEl>
+                    <p:sldTgt/>
+                  </p:tgtEl>
+                </p:cond>
+              </p:prevCondLst>
+              <p:nextCondLst>
+                <p:cond evt="onNext" delay="0">
+                  <p:tgtEl>
+                    <p:sldTgt/>
+                  </p:tgtEl>
+                </p:cond>
+              </p:nextCondLst>
+            </p:seq>
+          </p:childTnLst>
+        </p:cTn>
+      </p:par>
+    </p:tnLst>
+    <p:bldLst>
+      <p:bldP spid="5" grpId="0"/>
+    </p:bldLst>
+  </p:timing>
+</p:sld>
+</file>
+
+<file path=ppt/slides/slide9.xml><?xml version="1.0" encoding="utf-8"?>
+<p:sld xmlns:a="http://schemas.openxmlformats.org/drawingml/2006/main" xmlns:r="http://schemas.openxmlformats.org/officeDocument/2006/relationships" xmlns:p="http://schemas.openxmlformats.org/presentationml/2006/main">
+  <p:cSld>
+    <p:spTree>
+      <p:nvGrpSpPr>
+        <p:cNvPr id="1" name=""/>
+        <p:cNvGrpSpPr/>
+        <p:nvPr/>
+      </p:nvGrpSpPr>
+      <p:grpSpPr>
+        <a:xfrm>
+          <a:off x="0" y="0"/>
+          <a:ext cx="0" cy="0"/>
+          <a:chOff x="0" y="0"/>
+          <a:chExt cx="0" cy="0"/>
+        </a:xfrm>
+      </p:grpSpPr>
+      <p:sp>
+        <p:nvSpPr>
           <p:cNvPr id="2" name="Title 1"/>
           <p:cNvSpPr>
             <a:spLocks noGrp="1"/>
@@ -21708,7 +21934,7 @@
           <a:p>
             <a:fld id="{B841CA95-E0BC-48B5-948A-ECC494EB4D84}" type="slidenum">
               <a:rPr lang="en-US" smtClean="0"/>
-              <a:t>8</a:t>
+              <a:t>9</a:t>
             </a:fld>
             <a:endParaRPr lang="en-US"/>
           </a:p>
@@ -21987,232 +22213,6 @@
   <p:clrMapOvr>
     <a:masterClrMapping/>
   </p:clrMapOvr>
-</p:sld>
-</file>
-
-<file path=ppt/slides/slide9.xml><?xml version="1.0" encoding="utf-8"?>
-<p:sld xmlns:a="http://schemas.openxmlformats.org/drawingml/2006/main" xmlns:r="http://schemas.openxmlformats.org/officeDocument/2006/relationships" xmlns:p="http://schemas.openxmlformats.org/presentationml/2006/main">
-  <p:cSld>
-    <p:spTree>
-      <p:nvGrpSpPr>
-        <p:cNvPr id="1" name=""/>
-        <p:cNvGrpSpPr/>
-        <p:nvPr/>
-      </p:nvGrpSpPr>
-      <p:grpSpPr>
-        <a:xfrm>
-          <a:off x="0" y="0"/>
-          <a:ext cx="0" cy="0"/>
-          <a:chOff x="0" y="0"/>
-          <a:chExt cx="0" cy="0"/>
-        </a:xfrm>
-      </p:grpSpPr>
-      <p:sp>
-        <p:nvSpPr>
-          <p:cNvPr id="4" name="Slide Number Placeholder 3">
-            <a:extLst>
-              <a:ext uri="{FF2B5EF4-FFF2-40B4-BE49-F238E27FC236}">
-                <a16:creationId xmlns:a16="http://schemas.microsoft.com/office/drawing/2014/main" id="{67DDD665-3ACE-43F1-A39E-1F95573051FD}"/>
-              </a:ext>
-            </a:extLst>
-          </p:cNvPr>
-          <p:cNvSpPr>
-            <a:spLocks noGrp="1"/>
-          </p:cNvSpPr>
-          <p:nvPr>
-            <p:ph type="sldNum" sz="quarter" idx="12"/>
-          </p:nvPr>
-        </p:nvSpPr>
-        <p:spPr/>
-        <p:txBody>
-          <a:bodyPr/>
-          <a:lstStyle/>
-          <a:p>
-            <a:fld id="{B841CA95-E0BC-48B5-948A-ECC494EB4D84}" type="slidenum">
-              <a:rPr lang="en-US" smtClean="0"/>
-              <a:t>9</a:t>
-            </a:fld>
-            <a:endParaRPr lang="en-US"/>
-          </a:p>
-        </p:txBody>
-      </p:sp>
-      <p:sp>
-        <p:nvSpPr>
-          <p:cNvPr id="5" name="Title 1">
-            <a:extLst>
-              <a:ext uri="{FF2B5EF4-FFF2-40B4-BE49-F238E27FC236}">
-                <a16:creationId xmlns:a16="http://schemas.microsoft.com/office/drawing/2014/main" id="{AE627D7D-1684-4B7E-B974-6DC56B0C2617}"/>
-              </a:ext>
-            </a:extLst>
-          </p:cNvPr>
-          <p:cNvSpPr>
-            <a:spLocks noGrp="1"/>
-          </p:cNvSpPr>
-          <p:nvPr>
-            <p:ph type="title"/>
-          </p:nvPr>
-        </p:nvSpPr>
-        <p:spPr>
-          <a:xfrm>
-            <a:off x="479394" y="637437"/>
-            <a:ext cx="3939688" cy="5583126"/>
-          </a:xfrm>
-        </p:spPr>
-        <p:txBody>
-          <a:bodyPr>
-            <a:normAutofit/>
-          </a:bodyPr>
-          <a:lstStyle/>
-          <a:p>
-            <a:pPr algn="r"/>
-            <a:r>
-              <a:rPr lang="en-GB" sz="7400" dirty="0"/>
-              <a:t>Special</a:t>
-            </a:r>
-            <a:r>
-              <a:rPr lang="pt-PT" sz="7400" dirty="0"/>
-              <a:t> </a:t>
-            </a:r>
-            <a:r>
-              <a:rPr lang="en-GB" sz="7400" dirty="0"/>
-              <a:t>Functions</a:t>
-            </a:r>
-          </a:p>
-        </p:txBody>
-      </p:sp>
-      <p:graphicFrame>
-        <p:nvGraphicFramePr>
-          <p:cNvPr id="6" name="Content Placeholder 2">
-            <a:extLst>
-              <a:ext uri="{FF2B5EF4-FFF2-40B4-BE49-F238E27FC236}">
-                <a16:creationId xmlns:a16="http://schemas.microsoft.com/office/drawing/2014/main" id="{EA6AA4EF-46E7-401E-A6EC-77AA63348A58}"/>
-              </a:ext>
-            </a:extLst>
-          </p:cNvPr>
-          <p:cNvGraphicFramePr>
-            <a:graphicFrameLocks noGrp="1"/>
-          </p:cNvGraphicFramePr>
-          <p:nvPr>
-            <p:ph idx="1"/>
-            <p:extLst>
-              <p:ext uri="{D42A27DB-BD31-4B8C-83A1-F6EECF244321}">
-                <p14:modId xmlns:p14="http://schemas.microsoft.com/office/powerpoint/2010/main" val="2808497073"/>
-              </p:ext>
-            </p:extLst>
-          </p:nvPr>
-        </p:nvGraphicFramePr>
-        <p:xfrm>
-          <a:off x="5108535" y="637437"/>
-          <a:ext cx="6245265" cy="5589347"/>
-        </p:xfrm>
-        <a:graphic>
-          <a:graphicData uri="http://schemas.openxmlformats.org/drawingml/2006/diagram">
-            <dgm:relIds xmlns:dgm="http://schemas.openxmlformats.org/drawingml/2006/diagram" xmlns:r="http://schemas.openxmlformats.org/officeDocument/2006/relationships" r:dm="rId2" r:lo="rId3" r:qs="rId4" r:cs="rId5"/>
-          </a:graphicData>
-        </a:graphic>
-      </p:graphicFrame>
-    </p:spTree>
-    <p:extLst>
-      <p:ext uri="{BB962C8B-B14F-4D97-AF65-F5344CB8AC3E}">
-        <p14:creationId xmlns:p14="http://schemas.microsoft.com/office/powerpoint/2010/main" val="1216559849"/>
-      </p:ext>
-    </p:extLst>
-  </p:cSld>
-  <p:clrMapOvr>
-    <a:masterClrMapping/>
-  </p:clrMapOvr>
-  <p:timing>
-    <p:tnLst>
-      <p:par>
-        <p:cTn id="1" dur="indefinite" restart="never" nodeType="tmRoot">
-          <p:childTnLst>
-            <p:seq concurrent="1" nextAc="seek">
-              <p:cTn id="2" dur="indefinite" nodeType="mainSeq">
-                <p:childTnLst>
-                  <p:par>
-                    <p:cTn id="3" fill="hold">
-                      <p:stCondLst>
-                        <p:cond delay="indefinite"/>
-                        <p:cond evt="onBegin" delay="0">
-                          <p:tn val="2"/>
-                        </p:cond>
-                      </p:stCondLst>
-                      <p:childTnLst>
-                        <p:par>
-                          <p:cTn id="4" fill="hold">
-                            <p:stCondLst>
-                              <p:cond delay="0"/>
-                            </p:stCondLst>
-                            <p:childTnLst>
-                              <p:par>
-                                <p:cTn id="5" presetID="10" presetClass="entr" presetSubtype="0" fill="hold" grpId="0" nodeType="withEffect">
-                                  <p:stCondLst>
-                                    <p:cond delay="500"/>
-                                  </p:stCondLst>
-                                  <p:iterate type="lt">
-                                    <p:tmPct val="10000"/>
-                                  </p:iterate>
-                                  <p:childTnLst>
-                                    <p:set>
-                                      <p:cBhvr>
-                                        <p:cTn id="6" dur="1" fill="hold">
-                                          <p:stCondLst>
-                                            <p:cond delay="0"/>
-                                          </p:stCondLst>
-                                        </p:cTn>
-                                        <p:tgtEl>
-                                          <p:spTgt spid="5"/>
-                                        </p:tgtEl>
-                                        <p:attrNameLst>
-                                          <p:attrName>style.visibility</p:attrName>
-                                        </p:attrNameLst>
-                                      </p:cBhvr>
-                                      <p:to>
-                                        <p:strVal val="visible"/>
-                                      </p:to>
-                                    </p:set>
-                                    <p:animEffect transition="in" filter="fade">
-                                      <p:cBhvr>
-                                        <p:cTn id="7" dur="400"/>
-                                        <p:tgtEl>
-                                          <p:spTgt spid="5"/>
-                                        </p:tgtEl>
-                                      </p:cBhvr>
-                                    </p:animEffect>
-                                  </p:childTnLst>
-                                </p:cTn>
-                              </p:par>
-                            </p:childTnLst>
-                          </p:cTn>
-                        </p:par>
-                      </p:childTnLst>
-                    </p:cTn>
-                  </p:par>
-                </p:childTnLst>
-              </p:cTn>
-              <p:prevCondLst>
-                <p:cond evt="onPrev" delay="0">
-                  <p:tgtEl>
-                    <p:sldTgt/>
-                  </p:tgtEl>
-                </p:cond>
-              </p:prevCondLst>
-              <p:nextCondLst>
-                <p:cond evt="onNext" delay="0">
-                  <p:tgtEl>
-                    <p:sldTgt/>
-                  </p:tgtEl>
-                </p:cond>
-              </p:nextCondLst>
-            </p:seq>
-          </p:childTnLst>
-        </p:cTn>
-      </p:par>
-    </p:tnLst>
-    <p:bldLst>
-      <p:bldP spid="5" grpId="0"/>
-    </p:bldLst>
-  </p:timing>
 </p:sld>
 </file>
 
